--- a/PresentaciónTaller.pptx
+++ b/PresentaciónTaller.pptx
@@ -5,7 +5,7 @@
     <p:sldMasterId id="2147483678" r:id="rId1"/>
   </p:sldMasterIdLst>
   <p:notesMasterIdLst>
-    <p:notesMasterId r:id="rId15"/>
+    <p:notesMasterId r:id="rId18"/>
   </p:notesMasterIdLst>
   <p:sldIdLst>
     <p:sldId id="450" r:id="rId2"/>
@@ -19,8 +19,11 @@
     <p:sldId id="458" r:id="rId10"/>
     <p:sldId id="462" r:id="rId11"/>
     <p:sldId id="464" r:id="rId12"/>
-    <p:sldId id="463" r:id="rId13"/>
-    <p:sldId id="466" r:id="rId14"/>
+    <p:sldId id="467" r:id="rId13"/>
+    <p:sldId id="468" r:id="rId14"/>
+    <p:sldId id="463" r:id="rId15"/>
+    <p:sldId id="466" r:id="rId16"/>
+    <p:sldId id="470" r:id="rId17"/>
   </p:sldIdLst>
   <p:sldSz cx="12192000" cy="6858000"/>
   <p:notesSz cx="6858000" cy="9144000"/>
@@ -281,7 +284,7 @@
               <a:pPr>
                 <a:defRPr/>
               </a:pPr>
-              <a:t>27/04/2020</a:t>
+              <a:t>28/04/2020</a:t>
             </a:fld>
             <a:endParaRPr lang="es-ES"/>
           </a:p>
@@ -1074,7 +1077,7 @@
               <a:pPr>
                 <a:defRPr/>
               </a:pPr>
-              <a:t>27/04/2020</a:t>
+              <a:t>28/04/2020</a:t>
             </a:fld>
             <a:endParaRPr lang="es-ES"/>
           </a:p>
@@ -1506,7 +1509,7 @@
               <a:pPr>
                 <a:defRPr/>
               </a:pPr>
-              <a:t>27/04/2020</a:t>
+              <a:t>28/04/2020</a:t>
             </a:fld>
             <a:endParaRPr lang="es-ES"/>
           </a:p>
@@ -1818,7 +1821,7 @@
               <a:pPr>
                 <a:defRPr/>
               </a:pPr>
-              <a:t>27/04/2020</a:t>
+              <a:t>28/04/2020</a:t>
             </a:fld>
             <a:endParaRPr lang="es-ES"/>
           </a:p>
@@ -2154,7 +2157,7 @@
               <a:pPr>
                 <a:defRPr/>
               </a:pPr>
-              <a:t>27/04/2020</a:t>
+              <a:t>28/04/2020</a:t>
             </a:fld>
             <a:endParaRPr lang="es-ES"/>
           </a:p>
@@ -2444,7 +2447,7 @@
               <a:pPr>
                 <a:defRPr/>
               </a:pPr>
-              <a:t>27/04/2020</a:t>
+              <a:t>28/04/2020</a:t>
             </a:fld>
             <a:endParaRPr lang="es-ES"/>
           </a:p>
@@ -2572,7 +2575,7 @@
               <a:pPr>
                 <a:defRPr/>
               </a:pPr>
-              <a:t>27/04/2020</a:t>
+              <a:t>28/04/2020</a:t>
             </a:fld>
             <a:endParaRPr lang="es-ES"/>
           </a:p>
@@ -2908,7 +2911,7 @@
               <a:pPr>
                 <a:defRPr/>
               </a:pPr>
-              <a:t>27/04/2020</a:t>
+              <a:t>28/04/2020</a:t>
             </a:fld>
             <a:endParaRPr lang="es-ES"/>
           </a:p>
@@ -3204,7 +3207,7 @@
               <a:pPr>
                 <a:defRPr/>
               </a:pPr>
-              <a:t>27/04/2020</a:t>
+              <a:t>28/04/2020</a:t>
             </a:fld>
             <a:endParaRPr lang="es-ES"/>
           </a:p>
@@ -3504,7 +3507,7 @@
               <a:pPr>
                 <a:defRPr/>
               </a:pPr>
-              <a:t>27/04/2020</a:t>
+              <a:t>28/04/2020</a:t>
             </a:fld>
             <a:endParaRPr lang="es-ES"/>
           </a:p>
@@ -4307,7 +4310,7 @@
         <p:spPr>
           <a:xfrm>
             <a:off x="152400" y="1662964"/>
-            <a:ext cx="11510682" cy="3826047"/>
+            <a:ext cx="11510682" cy="4836580"/>
           </a:xfrm>
           <a:prstGeom prst="rect">
             <a:avLst/>
@@ -4447,7 +4450,80 @@
               </a:rPr>
               <a:t>Se usa desde el inicio de la historia.(Cifrado Julio Cesar)</a:t>
             </a:r>
-            <a:endParaRPr lang="es-ES" sz="2800" dirty="0">
+          </a:p>
+          <a:p>
+            <a:pPr marL="469900" indent="-457200">
+              <a:lnSpc>
+                <a:spcPct val="100000"/>
+              </a:lnSpc>
+              <a:spcBef>
+                <a:spcPts val="95"/>
+              </a:spcBef>
+              <a:buClr>
+                <a:schemeClr val="tx2"/>
+              </a:buClr>
+              <a:buFont typeface="Arial" panose="020B0604020202020204" pitchFamily="34" charset="0"/>
+              <a:buChar char="•"/>
+            </a:pPr>
+            <a:endParaRPr lang="es-ES" sz="3200" dirty="0">
+              <a:solidFill>
+                <a:schemeClr val="tx1">
+                  <a:lumMod val="50000"/>
+                  <a:lumOff val="50000"/>
+                </a:schemeClr>
+              </a:solidFill>
+              <a:latin typeface="+mn-lt"/>
+              <a:cs typeface="Arial"/>
+            </a:endParaRPr>
+          </a:p>
+          <a:p>
+            <a:pPr marL="469900" indent="-457200">
+              <a:lnSpc>
+                <a:spcPct val="100000"/>
+              </a:lnSpc>
+              <a:spcBef>
+                <a:spcPts val="95"/>
+              </a:spcBef>
+              <a:buClr>
+                <a:schemeClr val="tx2"/>
+              </a:buClr>
+              <a:buFont typeface="Arial" panose="020B0604020202020204" pitchFamily="34" charset="0"/>
+              <a:buChar char="•"/>
+            </a:pPr>
+            <a:r>
+              <a:rPr lang="es-ES" sz="3200" dirty="0">
+                <a:solidFill>
+                  <a:schemeClr val="tx1">
+                    <a:lumMod val="50000"/>
+                    <a:lumOff val="50000"/>
+                  </a:schemeClr>
+                </a:solidFill>
+                <a:latin typeface="+mn-lt"/>
+                <a:cs typeface="Arial"/>
+              </a:rPr>
+              <a:t>Una gran herramienta: </a:t>
+            </a:r>
+            <a:r>
+              <a:rPr lang="es-ES" sz="3200" i="1" dirty="0">
+                <a:solidFill>
+                  <a:schemeClr val="tx1">
+                    <a:lumMod val="50000"/>
+                    <a:lumOff val="50000"/>
+                  </a:schemeClr>
+                </a:solidFill>
+                <a:latin typeface="+mn-lt"/>
+                <a:cs typeface="Arial"/>
+                <a:hlinkClick r:id="rId2">
+                  <a:extLst>
+                    <a:ext uri="{A12FA001-AC4F-418D-AE19-62706E023703}">
+                      <ahyp:hlinkClr xmlns:ahyp="http://schemas.microsoft.com/office/drawing/2018/hyperlinkcolor" val="tx"/>
+                    </a:ext>
+                  </a:extLst>
+                </a:hlinkClick>
+              </a:rPr>
+              <a:t>https://gchq.github.io/CyberChef/</a:t>
+            </a:r>
+            <a:endParaRPr lang="es-ES" sz="3200" i="1" dirty="0">
               <a:solidFill>
                 <a:schemeClr val="tx1">
                   <a:lumMod val="50000"/>
@@ -5216,7 +5292,7 @@
                 </a:solidFill>
                 <a:latin typeface="+mj-lt"/>
               </a:rPr>
-              <a:t>Ejemplo</a:t>
+              <a:t>Cifrado Cesar</a:t>
             </a:r>
           </a:p>
         </p:txBody>
@@ -5235,6 +5311,1019 @@
 </file>
 
 <file path=ppt/slides/slide12.xml><?xml version="1.0" encoding="utf-8"?>
+<p:sld xmlns:a="http://schemas.openxmlformats.org/drawingml/2006/main" xmlns:r="http://schemas.openxmlformats.org/officeDocument/2006/relationships" xmlns:p="http://schemas.openxmlformats.org/presentationml/2006/main">
+  <p:cSld>
+    <p:spTree>
+      <p:nvGrpSpPr>
+        <p:cNvPr id="1" name=""/>
+        <p:cNvGrpSpPr/>
+        <p:nvPr/>
+      </p:nvGrpSpPr>
+      <p:grpSpPr>
+        <a:xfrm>
+          <a:off x="0" y="0"/>
+          <a:ext cx="0" cy="0"/>
+          <a:chOff x="0" y="0"/>
+          <a:chExt cx="0" cy="0"/>
+        </a:xfrm>
+      </p:grpSpPr>
+      <p:sp>
+        <p:nvSpPr>
+          <p:cNvPr id="6" name="object 5">
+            <a:extLst>
+              <a:ext uri="{FF2B5EF4-FFF2-40B4-BE49-F238E27FC236}">
+                <a16:creationId xmlns:a16="http://schemas.microsoft.com/office/drawing/2014/main" id="{08F4F82C-C19D-4E37-94D6-96ECFD626B52}"/>
+              </a:ext>
+            </a:extLst>
+          </p:cNvPr>
+          <p:cNvSpPr txBox="1"/>
+          <p:nvPr/>
+        </p:nvSpPr>
+        <p:spPr>
+          <a:xfrm>
+            <a:off x="792479" y="1230794"/>
+            <a:ext cx="10607041" cy="3579826"/>
+          </a:xfrm>
+          <a:prstGeom prst="rect">
+            <a:avLst/>
+          </a:prstGeom>
+        </p:spPr>
+        <p:txBody>
+          <a:bodyPr vert="horz" wrap="square" lIns="0" tIns="12065" rIns="0" bIns="0" rtlCol="0">
+            <a:spAutoFit/>
+          </a:bodyPr>
+          <a:lstStyle/>
+          <a:p>
+            <a:pPr marL="12700" algn="ctr">
+              <a:lnSpc>
+                <a:spcPct val="100000"/>
+              </a:lnSpc>
+              <a:spcBef>
+                <a:spcPts val="95"/>
+              </a:spcBef>
+              <a:buClr>
+                <a:schemeClr val="tx2"/>
+              </a:buClr>
+            </a:pPr>
+            <a:r>
+              <a:rPr lang="es-ES" sz="1600" b="1" i="1" u="sng" dirty="0">
+                <a:solidFill>
+                  <a:schemeClr val="tx1">
+                    <a:lumMod val="50000"/>
+                    <a:lumOff val="50000"/>
+                  </a:schemeClr>
+                </a:solidFill>
+                <a:latin typeface="+mn-lt"/>
+                <a:cs typeface="Arial"/>
+              </a:rPr>
+              <a:t>RXN0byBlcyB1bmEgcHJ1ZWJhIHBhcmEgdmVyIGNvbW8gZnVuY2lvbmEgZWwgY2lmcmFkbyBCQVNFNjQ=</a:t>
+            </a:r>
+          </a:p>
+          <a:p>
+            <a:pPr marL="469900" indent="-457200">
+              <a:spcBef>
+                <a:spcPts val="95"/>
+              </a:spcBef>
+              <a:buClr>
+                <a:schemeClr val="tx2"/>
+              </a:buClr>
+              <a:buFont typeface="Arial" panose="020B0604020202020204" pitchFamily="34" charset="0"/>
+              <a:buChar char="•"/>
+            </a:pPr>
+            <a:r>
+              <a:rPr lang="es-ES" sz="3200" dirty="0">
+                <a:solidFill>
+                  <a:schemeClr val="tx1">
+                    <a:lumMod val="50000"/>
+                    <a:lumOff val="50000"/>
+                  </a:schemeClr>
+                </a:solidFill>
+                <a:latin typeface="+mn-lt"/>
+                <a:cs typeface="Arial"/>
+              </a:rPr>
+              <a:t>Convierte cualquier texto a estos caracteres: </a:t>
+            </a:r>
+          </a:p>
+          <a:p>
+            <a:pPr marL="12700" algn="ctr">
+              <a:spcBef>
+                <a:spcPts val="95"/>
+              </a:spcBef>
+              <a:buClr>
+                <a:schemeClr val="tx2"/>
+              </a:buClr>
+            </a:pPr>
+            <a:r>
+              <a:rPr lang="es-ES" sz="3200" dirty="0">
+                <a:solidFill>
+                  <a:schemeClr val="tx1">
+                    <a:lumMod val="50000"/>
+                    <a:lumOff val="50000"/>
+                  </a:schemeClr>
+                </a:solidFill>
+                <a:latin typeface="+mn-lt"/>
+                <a:cs typeface="Arial"/>
+              </a:rPr>
+              <a:t>     A-Za-z0-9 + /=</a:t>
+            </a:r>
+          </a:p>
+          <a:p>
+            <a:pPr marL="469900" indent="-457200">
+              <a:spcBef>
+                <a:spcPts val="95"/>
+              </a:spcBef>
+              <a:buClr>
+                <a:schemeClr val="tx2"/>
+              </a:buClr>
+              <a:buFont typeface="Arial" panose="020B0604020202020204" pitchFamily="34" charset="0"/>
+              <a:buChar char="•"/>
+            </a:pPr>
+            <a:r>
+              <a:rPr lang="es-ES" sz="3200" dirty="0">
+                <a:solidFill>
+                  <a:schemeClr val="tx1">
+                    <a:lumMod val="50000"/>
+                    <a:lumOff val="50000"/>
+                  </a:schemeClr>
+                </a:solidFill>
+                <a:latin typeface="+mn-lt"/>
+                <a:cs typeface="Arial"/>
+              </a:rPr>
+              <a:t>Se usa en muchos ámbitos al crear cadenas de caracteres consistentes.</a:t>
+            </a:r>
+          </a:p>
+          <a:p>
+            <a:pPr marL="469900" indent="-457200">
+              <a:spcBef>
+                <a:spcPts val="95"/>
+              </a:spcBef>
+              <a:buClr>
+                <a:schemeClr val="tx2"/>
+              </a:buClr>
+              <a:buFont typeface="Arial" panose="020B0604020202020204" pitchFamily="34" charset="0"/>
+              <a:buChar char="•"/>
+            </a:pPr>
+            <a:r>
+              <a:rPr lang="es-ES" sz="3200" dirty="0">
+                <a:solidFill>
+                  <a:schemeClr val="tx1">
+                    <a:lumMod val="50000"/>
+                    <a:lumOff val="50000"/>
+                  </a:schemeClr>
+                </a:solidFill>
+                <a:latin typeface="+mn-lt"/>
+                <a:cs typeface="Arial"/>
+                <a:sym typeface="Wingdings" panose="05000000000000000000" pitchFamily="2" charset="2"/>
+              </a:rPr>
+              <a:t>Es una forma de esconder exploits para los antivirus.</a:t>
+            </a:r>
+          </a:p>
+          <a:p>
+            <a:pPr marL="12700">
+              <a:lnSpc>
+                <a:spcPct val="100000"/>
+              </a:lnSpc>
+              <a:spcBef>
+                <a:spcPts val="95"/>
+              </a:spcBef>
+              <a:buClr>
+                <a:schemeClr val="accent1"/>
+              </a:buClr>
+            </a:pPr>
+            <a:endParaRPr lang="es-ES" dirty="0">
+              <a:latin typeface="+mn-lt"/>
+              <a:cs typeface="Arial"/>
+            </a:endParaRPr>
+          </a:p>
+          <a:p>
+            <a:pPr marL="298450" indent="-285750">
+              <a:lnSpc>
+                <a:spcPct val="100000"/>
+              </a:lnSpc>
+              <a:spcBef>
+                <a:spcPts val="95"/>
+              </a:spcBef>
+              <a:buClr>
+                <a:schemeClr val="accent1"/>
+              </a:buClr>
+              <a:buFont typeface="Arial" panose="020B0604020202020204" pitchFamily="34" charset="0"/>
+              <a:buChar char="•"/>
+            </a:pPr>
+            <a:endParaRPr lang="es-ES" sz="1400" dirty="0">
+              <a:latin typeface="+mj-lt"/>
+              <a:cs typeface="Arial"/>
+            </a:endParaRPr>
+          </a:p>
+          <a:p>
+            <a:pPr marL="298450" indent="-285750" algn="ctr">
+              <a:lnSpc>
+                <a:spcPct val="100000"/>
+              </a:lnSpc>
+              <a:spcBef>
+                <a:spcPts val="95"/>
+              </a:spcBef>
+              <a:buClr>
+                <a:schemeClr val="tx2"/>
+              </a:buClr>
+              <a:buFont typeface="Arial" panose="020B0604020202020204" pitchFamily="34" charset="0"/>
+              <a:buChar char="•"/>
+            </a:pPr>
+            <a:endParaRPr sz="1800" dirty="0">
+              <a:latin typeface="Arial"/>
+              <a:cs typeface="Arial"/>
+            </a:endParaRPr>
+          </a:p>
+        </p:txBody>
+      </p:sp>
+      <p:sp>
+        <p:nvSpPr>
+          <p:cNvPr id="11" name="object 3">
+            <a:extLst>
+              <a:ext uri="{FF2B5EF4-FFF2-40B4-BE49-F238E27FC236}">
+                <a16:creationId xmlns:a16="http://schemas.microsoft.com/office/drawing/2014/main" id="{828BE2FD-EB48-4942-A2CD-5DD92E86A95D}"/>
+              </a:ext>
+            </a:extLst>
+          </p:cNvPr>
+          <p:cNvSpPr txBox="1">
+            <a:spLocks/>
+          </p:cNvSpPr>
+          <p:nvPr/>
+        </p:nvSpPr>
+        <p:spPr bwMode="auto">
+          <a:xfrm>
+            <a:off x="1" y="316785"/>
+            <a:ext cx="12191999" cy="689932"/>
+          </a:xfrm>
+          <a:prstGeom prst="rect">
+            <a:avLst/>
+          </a:prstGeom>
+          <a:noFill/>
+          <a:ln>
+            <a:noFill/>
+          </a:ln>
+          <a:extLst>
+            <a:ext uri="{909E8E84-426E-40DD-AFC4-6F175D3DCCD1}">
+              <a14:hiddenFill xmlns:a14="http://schemas.microsoft.com/office/drawing/2010/main">
+                <a:solidFill>
+                  <a:srgbClr val="FFFFFF"/>
+                </a:solidFill>
+              </a14:hiddenFill>
+            </a:ext>
+            <a:ext uri="{91240B29-F687-4F45-9708-019B960494DF}">
+              <a14:hiddenLine xmlns:a14="http://schemas.microsoft.com/office/drawing/2010/main" w="9525">
+                <a:solidFill>
+                  <a:srgbClr val="000000"/>
+                </a:solidFill>
+                <a:miter lim="800000"/>
+                <a:headEnd/>
+                <a:tailEnd/>
+              </a14:hiddenLine>
+            </a:ext>
+          </a:extLst>
+        </p:spPr>
+        <p:txBody>
+          <a:bodyPr vert="horz" wrap="square" lIns="0" tIns="12700" rIns="0" bIns="0" numCol="1" rtlCol="0" anchor="ctr" anchorCtr="0" compatLnSpc="1">
+            <a:prstTxWarp prst="textNoShape">
+              <a:avLst/>
+            </a:prstTxWarp>
+            <a:spAutoFit/>
+          </a:bodyPr>
+          <a:lstStyle>
+            <a:lvl1pPr algn="ctr" rtl="0" eaLnBrk="0" fontAlgn="base" hangingPunct="0">
+              <a:spcBef>
+                <a:spcPct val="0"/>
+              </a:spcBef>
+              <a:spcAft>
+                <a:spcPct val="0"/>
+              </a:spcAft>
+              <a:defRPr sz="4400" kern="1200">
+                <a:solidFill>
+                  <a:schemeClr val="tx1"/>
+                </a:solidFill>
+                <a:latin typeface="Lato" charset="0"/>
+                <a:ea typeface="Lato" charset="0"/>
+                <a:cs typeface="Lato" charset="0"/>
+              </a:defRPr>
+            </a:lvl1pPr>
+            <a:lvl2pPr algn="ctr" rtl="0" eaLnBrk="0" fontAlgn="base" hangingPunct="0">
+              <a:spcBef>
+                <a:spcPct val="0"/>
+              </a:spcBef>
+              <a:spcAft>
+                <a:spcPct val="0"/>
+              </a:spcAft>
+              <a:defRPr sz="4400">
+                <a:solidFill>
+                  <a:schemeClr val="tx1"/>
+                </a:solidFill>
+                <a:latin typeface="Calibri" panose="020F0502020204030204" pitchFamily="34" charset="0"/>
+              </a:defRPr>
+            </a:lvl2pPr>
+            <a:lvl3pPr algn="ctr" rtl="0" eaLnBrk="0" fontAlgn="base" hangingPunct="0">
+              <a:spcBef>
+                <a:spcPct val="0"/>
+              </a:spcBef>
+              <a:spcAft>
+                <a:spcPct val="0"/>
+              </a:spcAft>
+              <a:defRPr sz="4400">
+                <a:solidFill>
+                  <a:schemeClr val="tx1"/>
+                </a:solidFill>
+                <a:latin typeface="Calibri" panose="020F0502020204030204" pitchFamily="34" charset="0"/>
+              </a:defRPr>
+            </a:lvl3pPr>
+            <a:lvl4pPr algn="ctr" rtl="0" eaLnBrk="0" fontAlgn="base" hangingPunct="0">
+              <a:spcBef>
+                <a:spcPct val="0"/>
+              </a:spcBef>
+              <a:spcAft>
+                <a:spcPct val="0"/>
+              </a:spcAft>
+              <a:defRPr sz="4400">
+                <a:solidFill>
+                  <a:schemeClr val="tx1"/>
+                </a:solidFill>
+                <a:latin typeface="Calibri" panose="020F0502020204030204" pitchFamily="34" charset="0"/>
+              </a:defRPr>
+            </a:lvl4pPr>
+            <a:lvl5pPr algn="ctr" rtl="0" eaLnBrk="0" fontAlgn="base" hangingPunct="0">
+              <a:spcBef>
+                <a:spcPct val="0"/>
+              </a:spcBef>
+              <a:spcAft>
+                <a:spcPct val="0"/>
+              </a:spcAft>
+              <a:defRPr sz="4400">
+                <a:solidFill>
+                  <a:schemeClr val="tx1"/>
+                </a:solidFill>
+                <a:latin typeface="Calibri" panose="020F0502020204030204" pitchFamily="34" charset="0"/>
+              </a:defRPr>
+            </a:lvl5pPr>
+            <a:lvl6pPr marL="457200" algn="ctr" rtl="0" fontAlgn="base">
+              <a:spcBef>
+                <a:spcPct val="0"/>
+              </a:spcBef>
+              <a:spcAft>
+                <a:spcPct val="0"/>
+              </a:spcAft>
+              <a:defRPr sz="4400">
+                <a:solidFill>
+                  <a:schemeClr val="tx1"/>
+                </a:solidFill>
+                <a:latin typeface="Calibri" panose="020F0502020204030204" pitchFamily="34" charset="0"/>
+              </a:defRPr>
+            </a:lvl6pPr>
+            <a:lvl7pPr marL="914400" algn="ctr" rtl="0" fontAlgn="base">
+              <a:spcBef>
+                <a:spcPct val="0"/>
+              </a:spcBef>
+              <a:spcAft>
+                <a:spcPct val="0"/>
+              </a:spcAft>
+              <a:defRPr sz="4400">
+                <a:solidFill>
+                  <a:schemeClr val="tx1"/>
+                </a:solidFill>
+                <a:latin typeface="Calibri" panose="020F0502020204030204" pitchFamily="34" charset="0"/>
+              </a:defRPr>
+            </a:lvl7pPr>
+            <a:lvl8pPr marL="1371600" algn="ctr" rtl="0" fontAlgn="base">
+              <a:spcBef>
+                <a:spcPct val="0"/>
+              </a:spcBef>
+              <a:spcAft>
+                <a:spcPct val="0"/>
+              </a:spcAft>
+              <a:defRPr sz="4400">
+                <a:solidFill>
+                  <a:schemeClr val="tx1"/>
+                </a:solidFill>
+                <a:latin typeface="Calibri" panose="020F0502020204030204" pitchFamily="34" charset="0"/>
+              </a:defRPr>
+            </a:lvl8pPr>
+            <a:lvl9pPr marL="1828800" algn="ctr" rtl="0" fontAlgn="base">
+              <a:spcBef>
+                <a:spcPct val="0"/>
+              </a:spcBef>
+              <a:spcAft>
+                <a:spcPct val="0"/>
+              </a:spcAft>
+              <a:defRPr sz="4400">
+                <a:solidFill>
+                  <a:schemeClr val="tx1"/>
+                </a:solidFill>
+                <a:latin typeface="Calibri" panose="020F0502020204030204" pitchFamily="34" charset="0"/>
+              </a:defRPr>
+            </a:lvl9pPr>
+          </a:lstStyle>
+          <a:p>
+            <a:pPr marL="12700">
+              <a:spcBef>
+                <a:spcPts val="100"/>
+              </a:spcBef>
+            </a:pPr>
+            <a:r>
+              <a:rPr lang="es-ES" dirty="0">
+                <a:solidFill>
+                  <a:schemeClr val="bg1"/>
+                </a:solidFill>
+                <a:latin typeface="+mj-lt"/>
+              </a:rPr>
+              <a:t>BASE64</a:t>
+            </a:r>
+          </a:p>
+        </p:txBody>
+      </p:sp>
+      <p:pic>
+        <p:nvPicPr>
+          <p:cNvPr id="2" name="Imagen 1">
+            <a:extLst>
+              <a:ext uri="{FF2B5EF4-FFF2-40B4-BE49-F238E27FC236}">
+                <a16:creationId xmlns:a16="http://schemas.microsoft.com/office/drawing/2014/main" id="{19C0DE18-F3CB-4DCB-9980-88EDAB538528}"/>
+              </a:ext>
+            </a:extLst>
+          </p:cNvPr>
+          <p:cNvPicPr>
+            <a:picLocks noChangeAspect="1"/>
+          </p:cNvPicPr>
+          <p:nvPr/>
+        </p:nvPicPr>
+        <p:blipFill>
+          <a:blip r:embed="rId2"/>
+          <a:stretch>
+            <a:fillRect/>
+          </a:stretch>
+        </p:blipFill>
+        <p:spPr>
+          <a:xfrm>
+            <a:off x="1324164" y="4552950"/>
+            <a:ext cx="9543672" cy="1988265"/>
+          </a:xfrm>
+          <a:prstGeom prst="rect">
+            <a:avLst/>
+          </a:prstGeom>
+        </p:spPr>
+      </p:pic>
+    </p:spTree>
+    <p:extLst>
+      <p:ext uri="{BB962C8B-B14F-4D97-AF65-F5344CB8AC3E}">
+        <p14:creationId xmlns:p14="http://schemas.microsoft.com/office/powerpoint/2010/main" val="3395860054"/>
+      </p:ext>
+    </p:extLst>
+  </p:cSld>
+  <p:clrMapOvr>
+    <a:masterClrMapping/>
+  </p:clrMapOvr>
+</p:sld>
+</file>
+
+<file path=ppt/slides/slide13.xml><?xml version="1.0" encoding="utf-8"?>
+<p:sld xmlns:a="http://schemas.openxmlformats.org/drawingml/2006/main" xmlns:r="http://schemas.openxmlformats.org/officeDocument/2006/relationships" xmlns:p="http://schemas.openxmlformats.org/presentationml/2006/main">
+  <p:cSld>
+    <p:spTree>
+      <p:nvGrpSpPr>
+        <p:cNvPr id="1" name=""/>
+        <p:cNvGrpSpPr/>
+        <p:nvPr/>
+      </p:nvGrpSpPr>
+      <p:grpSpPr>
+        <a:xfrm>
+          <a:off x="0" y="0"/>
+          <a:ext cx="0" cy="0"/>
+          <a:chOff x="0" y="0"/>
+          <a:chExt cx="0" cy="0"/>
+        </a:xfrm>
+      </p:grpSpPr>
+      <p:sp>
+        <p:nvSpPr>
+          <p:cNvPr id="6" name="object 5">
+            <a:extLst>
+              <a:ext uri="{FF2B5EF4-FFF2-40B4-BE49-F238E27FC236}">
+                <a16:creationId xmlns:a16="http://schemas.microsoft.com/office/drawing/2014/main" id="{08F4F82C-C19D-4E37-94D6-96ECFD626B52}"/>
+              </a:ext>
+            </a:extLst>
+          </p:cNvPr>
+          <p:cNvSpPr txBox="1"/>
+          <p:nvPr/>
+        </p:nvSpPr>
+        <p:spPr>
+          <a:xfrm>
+            <a:off x="792479" y="1230794"/>
+            <a:ext cx="10607041" cy="5790688"/>
+          </a:xfrm>
+          <a:prstGeom prst="rect">
+            <a:avLst/>
+          </a:prstGeom>
+        </p:spPr>
+        <p:txBody>
+          <a:bodyPr vert="horz" wrap="square" lIns="0" tIns="12065" rIns="0" bIns="0" rtlCol="0">
+            <a:spAutoFit/>
+          </a:bodyPr>
+          <a:lstStyle/>
+          <a:p>
+            <a:pPr marL="12700" algn="ctr">
+              <a:lnSpc>
+                <a:spcPct val="100000"/>
+              </a:lnSpc>
+              <a:spcBef>
+                <a:spcPts val="95"/>
+              </a:spcBef>
+              <a:buClr>
+                <a:schemeClr val="tx2"/>
+              </a:buClr>
+            </a:pPr>
+            <a:r>
+              <a:rPr lang="es-ES" sz="3200" b="1" i="1" u="sng" dirty="0">
+                <a:solidFill>
+                  <a:schemeClr val="tx1">
+                    <a:lumMod val="50000"/>
+                    <a:lumOff val="50000"/>
+                  </a:schemeClr>
+                </a:solidFill>
+                <a:latin typeface="+mn-lt"/>
+                <a:cs typeface="Arial"/>
+              </a:rPr>
+              <a:t>484ac397cb407ab7aad776f0663f8c85</a:t>
+            </a:r>
+          </a:p>
+          <a:p>
+            <a:pPr marL="12700" algn="ctr">
+              <a:lnSpc>
+                <a:spcPct val="100000"/>
+              </a:lnSpc>
+              <a:spcBef>
+                <a:spcPts val="95"/>
+              </a:spcBef>
+              <a:buClr>
+                <a:schemeClr val="tx2"/>
+              </a:buClr>
+            </a:pPr>
+            <a:r>
+              <a:rPr lang="es-ES" sz="3200" b="1" i="1" u="sng" dirty="0">
+                <a:solidFill>
+                  <a:schemeClr val="tx1">
+                    <a:lumMod val="50000"/>
+                    <a:lumOff val="50000"/>
+                  </a:schemeClr>
+                </a:solidFill>
+                <a:latin typeface="+mn-lt"/>
+                <a:cs typeface="Arial"/>
+              </a:rPr>
+              <a:t>827ccb0eea8a706c4c34a16891f84e7b</a:t>
+            </a:r>
+          </a:p>
+          <a:p>
+            <a:pPr marL="12700" algn="ctr">
+              <a:lnSpc>
+                <a:spcPct val="100000"/>
+              </a:lnSpc>
+              <a:spcBef>
+                <a:spcPts val="95"/>
+              </a:spcBef>
+              <a:buClr>
+                <a:schemeClr val="tx2"/>
+              </a:buClr>
+            </a:pPr>
+            <a:r>
+              <a:rPr lang="es-ES" sz="3200" b="1" i="1" u="sng" dirty="0">
+                <a:solidFill>
+                  <a:schemeClr val="tx1">
+                    <a:lumMod val="50000"/>
+                    <a:lumOff val="50000"/>
+                  </a:schemeClr>
+                </a:solidFill>
+                <a:latin typeface="+mn-lt"/>
+                <a:cs typeface="Arial"/>
+              </a:rPr>
+              <a:t>d8578edf8458ce06fbc5bb76a58c5ca4</a:t>
+            </a:r>
+          </a:p>
+          <a:p>
+            <a:pPr marL="469900" indent="-457200">
+              <a:lnSpc>
+                <a:spcPct val="150000"/>
+              </a:lnSpc>
+              <a:spcBef>
+                <a:spcPts val="95"/>
+              </a:spcBef>
+              <a:buClr>
+                <a:schemeClr val="tx2"/>
+              </a:buClr>
+              <a:buFont typeface="Arial" panose="020B0604020202020204" pitchFamily="34" charset="0"/>
+              <a:buChar char="•"/>
+            </a:pPr>
+            <a:r>
+              <a:rPr lang="es-ES" sz="3200" dirty="0">
+                <a:solidFill>
+                  <a:schemeClr val="tx1">
+                    <a:lumMod val="50000"/>
+                    <a:lumOff val="50000"/>
+                  </a:schemeClr>
+                </a:solidFill>
+                <a:latin typeface="+mn-lt"/>
+                <a:cs typeface="Arial"/>
+              </a:rPr>
+              <a:t>Es un cifrado en una sola dirección.</a:t>
+            </a:r>
+          </a:p>
+          <a:p>
+            <a:pPr marL="469900" indent="-457200">
+              <a:lnSpc>
+                <a:spcPct val="150000"/>
+              </a:lnSpc>
+              <a:spcBef>
+                <a:spcPts val="95"/>
+              </a:spcBef>
+              <a:buClr>
+                <a:schemeClr val="tx2"/>
+              </a:buClr>
+              <a:buFont typeface="Arial" panose="020B0604020202020204" pitchFamily="34" charset="0"/>
+              <a:buChar char="•"/>
+            </a:pPr>
+            <a:r>
+              <a:rPr lang="es-ES" sz="3200" dirty="0">
+                <a:solidFill>
+                  <a:schemeClr val="tx1">
+                    <a:lumMod val="50000"/>
+                    <a:lumOff val="50000"/>
+                  </a:schemeClr>
+                </a:solidFill>
+                <a:latin typeface="+mn-lt"/>
+                <a:cs typeface="Arial"/>
+              </a:rPr>
+              <a:t>Se creo para generar cadenas únicas siempre.</a:t>
+            </a:r>
+          </a:p>
+          <a:p>
+            <a:pPr marL="469900" indent="-457200">
+              <a:lnSpc>
+                <a:spcPct val="150000"/>
+              </a:lnSpc>
+              <a:spcBef>
+                <a:spcPts val="95"/>
+              </a:spcBef>
+              <a:buClr>
+                <a:schemeClr val="tx2"/>
+              </a:buClr>
+              <a:buFont typeface="Arial" panose="020B0604020202020204" pitchFamily="34" charset="0"/>
+              <a:buChar char="•"/>
+            </a:pPr>
+            <a:r>
+              <a:rPr lang="es-ES" sz="3200" dirty="0">
+                <a:solidFill>
+                  <a:schemeClr val="tx1">
+                    <a:lumMod val="50000"/>
+                    <a:lumOff val="50000"/>
+                  </a:schemeClr>
+                </a:solidFill>
+                <a:latin typeface="+mn-lt"/>
+                <a:cs typeface="Arial"/>
+              </a:rPr>
+              <a:t>Usa caracteres hexadecimales.</a:t>
+            </a:r>
+            <a:endParaRPr lang="es-ES" sz="3200" dirty="0">
+              <a:solidFill>
+                <a:schemeClr val="tx1">
+                  <a:lumMod val="50000"/>
+                  <a:lumOff val="50000"/>
+                </a:schemeClr>
+              </a:solidFill>
+              <a:latin typeface="+mn-lt"/>
+              <a:cs typeface="Arial"/>
+              <a:sym typeface="Wingdings" panose="05000000000000000000" pitchFamily="2" charset="2"/>
+            </a:endParaRPr>
+          </a:p>
+          <a:p>
+            <a:pPr marL="469900" indent="-457200">
+              <a:lnSpc>
+                <a:spcPct val="150000"/>
+              </a:lnSpc>
+              <a:spcBef>
+                <a:spcPts val="95"/>
+              </a:spcBef>
+              <a:buClr>
+                <a:schemeClr val="tx2"/>
+              </a:buClr>
+              <a:buFont typeface="Arial" panose="020B0604020202020204" pitchFamily="34" charset="0"/>
+              <a:buChar char="•"/>
+            </a:pPr>
+            <a:r>
+              <a:rPr lang="es-ES" sz="3200" dirty="0">
+                <a:solidFill>
+                  <a:schemeClr val="tx1">
+                    <a:lumMod val="50000"/>
+                    <a:lumOff val="50000"/>
+                  </a:schemeClr>
+                </a:solidFill>
+                <a:latin typeface="+mn-lt"/>
+                <a:cs typeface="Arial"/>
+                <a:sym typeface="Wingdings" panose="05000000000000000000" pitchFamily="2" charset="2"/>
+              </a:rPr>
+              <a:t>Estos algoritmos se usan para guardar contraseñas.</a:t>
+            </a:r>
+          </a:p>
+          <a:p>
+            <a:pPr marL="469900" indent="-457200">
+              <a:lnSpc>
+                <a:spcPct val="150000"/>
+              </a:lnSpc>
+              <a:spcBef>
+                <a:spcPts val="95"/>
+              </a:spcBef>
+              <a:buClr>
+                <a:schemeClr val="tx2"/>
+              </a:buClr>
+              <a:buFont typeface="Arial" panose="020B0604020202020204" pitchFamily="34" charset="0"/>
+              <a:buChar char="•"/>
+            </a:pPr>
+            <a:r>
+              <a:rPr lang="es-ES" sz="3200" dirty="0">
+                <a:solidFill>
+                  <a:schemeClr val="tx1">
+                    <a:lumMod val="50000"/>
+                    <a:lumOff val="50000"/>
+                  </a:schemeClr>
+                </a:solidFill>
+                <a:latin typeface="+mn-lt"/>
+                <a:cs typeface="Arial"/>
+                <a:hlinkClick r:id="rId2">
+                  <a:extLst>
+                    <a:ext uri="{A12FA001-AC4F-418D-AE19-62706E023703}">
+                      <ahyp:hlinkClr xmlns:ahyp="http://schemas.microsoft.com/office/drawing/2018/hyperlinkcolor" val="tx"/>
+                    </a:ext>
+                  </a:extLst>
+                </a:hlinkClick>
+              </a:rPr>
+              <a:t>https://www.md5online.org/md5-decrypt.html</a:t>
+            </a:r>
+            <a:endParaRPr lang="es-ES" sz="3200" dirty="0">
+              <a:solidFill>
+                <a:schemeClr val="tx1">
+                  <a:lumMod val="50000"/>
+                  <a:lumOff val="50000"/>
+                </a:schemeClr>
+              </a:solidFill>
+              <a:latin typeface="+mn-lt"/>
+              <a:cs typeface="Arial"/>
+            </a:endParaRPr>
+          </a:p>
+          <a:p>
+            <a:pPr marL="298450" indent="-285750">
+              <a:lnSpc>
+                <a:spcPct val="100000"/>
+              </a:lnSpc>
+              <a:spcBef>
+                <a:spcPts val="95"/>
+              </a:spcBef>
+              <a:buClr>
+                <a:schemeClr val="accent1"/>
+              </a:buClr>
+              <a:buFont typeface="Arial" panose="020B0604020202020204" pitchFamily="34" charset="0"/>
+              <a:buChar char="•"/>
+            </a:pPr>
+            <a:endParaRPr lang="es-ES" sz="1400" dirty="0">
+              <a:latin typeface="+mj-lt"/>
+              <a:cs typeface="Arial"/>
+            </a:endParaRPr>
+          </a:p>
+          <a:p>
+            <a:pPr marL="298450" indent="-285750" algn="ctr">
+              <a:lnSpc>
+                <a:spcPct val="100000"/>
+              </a:lnSpc>
+              <a:spcBef>
+                <a:spcPts val="95"/>
+              </a:spcBef>
+              <a:buClr>
+                <a:schemeClr val="tx2"/>
+              </a:buClr>
+              <a:buFont typeface="Arial" panose="020B0604020202020204" pitchFamily="34" charset="0"/>
+              <a:buChar char="•"/>
+            </a:pPr>
+            <a:endParaRPr sz="1800" dirty="0">
+              <a:latin typeface="Arial"/>
+              <a:cs typeface="Arial"/>
+            </a:endParaRPr>
+          </a:p>
+        </p:txBody>
+      </p:sp>
+      <p:sp>
+        <p:nvSpPr>
+          <p:cNvPr id="11" name="object 3">
+            <a:extLst>
+              <a:ext uri="{FF2B5EF4-FFF2-40B4-BE49-F238E27FC236}">
+                <a16:creationId xmlns:a16="http://schemas.microsoft.com/office/drawing/2014/main" id="{828BE2FD-EB48-4942-A2CD-5DD92E86A95D}"/>
+              </a:ext>
+            </a:extLst>
+          </p:cNvPr>
+          <p:cNvSpPr txBox="1">
+            <a:spLocks/>
+          </p:cNvSpPr>
+          <p:nvPr/>
+        </p:nvSpPr>
+        <p:spPr bwMode="auto">
+          <a:xfrm>
+            <a:off x="1" y="316785"/>
+            <a:ext cx="12191999" cy="689932"/>
+          </a:xfrm>
+          <a:prstGeom prst="rect">
+            <a:avLst/>
+          </a:prstGeom>
+          <a:noFill/>
+          <a:ln>
+            <a:noFill/>
+          </a:ln>
+          <a:extLst>
+            <a:ext uri="{909E8E84-426E-40DD-AFC4-6F175D3DCCD1}">
+              <a14:hiddenFill xmlns:a14="http://schemas.microsoft.com/office/drawing/2010/main">
+                <a:solidFill>
+                  <a:srgbClr val="FFFFFF"/>
+                </a:solidFill>
+              </a14:hiddenFill>
+            </a:ext>
+            <a:ext uri="{91240B29-F687-4F45-9708-019B960494DF}">
+              <a14:hiddenLine xmlns:a14="http://schemas.microsoft.com/office/drawing/2010/main" w="9525">
+                <a:solidFill>
+                  <a:srgbClr val="000000"/>
+                </a:solidFill>
+                <a:miter lim="800000"/>
+                <a:headEnd/>
+                <a:tailEnd/>
+              </a14:hiddenLine>
+            </a:ext>
+          </a:extLst>
+        </p:spPr>
+        <p:txBody>
+          <a:bodyPr vert="horz" wrap="square" lIns="0" tIns="12700" rIns="0" bIns="0" numCol="1" rtlCol="0" anchor="ctr" anchorCtr="0" compatLnSpc="1">
+            <a:prstTxWarp prst="textNoShape">
+              <a:avLst/>
+            </a:prstTxWarp>
+            <a:spAutoFit/>
+          </a:bodyPr>
+          <a:lstStyle>
+            <a:lvl1pPr algn="ctr" rtl="0" eaLnBrk="0" fontAlgn="base" hangingPunct="0">
+              <a:spcBef>
+                <a:spcPct val="0"/>
+              </a:spcBef>
+              <a:spcAft>
+                <a:spcPct val="0"/>
+              </a:spcAft>
+              <a:defRPr sz="4400" kern="1200">
+                <a:solidFill>
+                  <a:schemeClr val="tx1"/>
+                </a:solidFill>
+                <a:latin typeface="Lato" charset="0"/>
+                <a:ea typeface="Lato" charset="0"/>
+                <a:cs typeface="Lato" charset="0"/>
+              </a:defRPr>
+            </a:lvl1pPr>
+            <a:lvl2pPr algn="ctr" rtl="0" eaLnBrk="0" fontAlgn="base" hangingPunct="0">
+              <a:spcBef>
+                <a:spcPct val="0"/>
+              </a:spcBef>
+              <a:spcAft>
+                <a:spcPct val="0"/>
+              </a:spcAft>
+              <a:defRPr sz="4400">
+                <a:solidFill>
+                  <a:schemeClr val="tx1"/>
+                </a:solidFill>
+                <a:latin typeface="Calibri" panose="020F0502020204030204" pitchFamily="34" charset="0"/>
+              </a:defRPr>
+            </a:lvl2pPr>
+            <a:lvl3pPr algn="ctr" rtl="0" eaLnBrk="0" fontAlgn="base" hangingPunct="0">
+              <a:spcBef>
+                <a:spcPct val="0"/>
+              </a:spcBef>
+              <a:spcAft>
+                <a:spcPct val="0"/>
+              </a:spcAft>
+              <a:defRPr sz="4400">
+                <a:solidFill>
+                  <a:schemeClr val="tx1"/>
+                </a:solidFill>
+                <a:latin typeface="Calibri" panose="020F0502020204030204" pitchFamily="34" charset="0"/>
+              </a:defRPr>
+            </a:lvl3pPr>
+            <a:lvl4pPr algn="ctr" rtl="0" eaLnBrk="0" fontAlgn="base" hangingPunct="0">
+              <a:spcBef>
+                <a:spcPct val="0"/>
+              </a:spcBef>
+              <a:spcAft>
+                <a:spcPct val="0"/>
+              </a:spcAft>
+              <a:defRPr sz="4400">
+                <a:solidFill>
+                  <a:schemeClr val="tx1"/>
+                </a:solidFill>
+                <a:latin typeface="Calibri" panose="020F0502020204030204" pitchFamily="34" charset="0"/>
+              </a:defRPr>
+            </a:lvl4pPr>
+            <a:lvl5pPr algn="ctr" rtl="0" eaLnBrk="0" fontAlgn="base" hangingPunct="0">
+              <a:spcBef>
+                <a:spcPct val="0"/>
+              </a:spcBef>
+              <a:spcAft>
+                <a:spcPct val="0"/>
+              </a:spcAft>
+              <a:defRPr sz="4400">
+                <a:solidFill>
+                  <a:schemeClr val="tx1"/>
+                </a:solidFill>
+                <a:latin typeface="Calibri" panose="020F0502020204030204" pitchFamily="34" charset="0"/>
+              </a:defRPr>
+            </a:lvl5pPr>
+            <a:lvl6pPr marL="457200" algn="ctr" rtl="0" fontAlgn="base">
+              <a:spcBef>
+                <a:spcPct val="0"/>
+              </a:spcBef>
+              <a:spcAft>
+                <a:spcPct val="0"/>
+              </a:spcAft>
+              <a:defRPr sz="4400">
+                <a:solidFill>
+                  <a:schemeClr val="tx1"/>
+                </a:solidFill>
+                <a:latin typeface="Calibri" panose="020F0502020204030204" pitchFamily="34" charset="0"/>
+              </a:defRPr>
+            </a:lvl6pPr>
+            <a:lvl7pPr marL="914400" algn="ctr" rtl="0" fontAlgn="base">
+              <a:spcBef>
+                <a:spcPct val="0"/>
+              </a:spcBef>
+              <a:spcAft>
+                <a:spcPct val="0"/>
+              </a:spcAft>
+              <a:defRPr sz="4400">
+                <a:solidFill>
+                  <a:schemeClr val="tx1"/>
+                </a:solidFill>
+                <a:latin typeface="Calibri" panose="020F0502020204030204" pitchFamily="34" charset="0"/>
+              </a:defRPr>
+            </a:lvl7pPr>
+            <a:lvl8pPr marL="1371600" algn="ctr" rtl="0" fontAlgn="base">
+              <a:spcBef>
+                <a:spcPct val="0"/>
+              </a:spcBef>
+              <a:spcAft>
+                <a:spcPct val="0"/>
+              </a:spcAft>
+              <a:defRPr sz="4400">
+                <a:solidFill>
+                  <a:schemeClr val="tx1"/>
+                </a:solidFill>
+                <a:latin typeface="Calibri" panose="020F0502020204030204" pitchFamily="34" charset="0"/>
+              </a:defRPr>
+            </a:lvl8pPr>
+            <a:lvl9pPr marL="1828800" algn="ctr" rtl="0" fontAlgn="base">
+              <a:spcBef>
+                <a:spcPct val="0"/>
+              </a:spcBef>
+              <a:spcAft>
+                <a:spcPct val="0"/>
+              </a:spcAft>
+              <a:defRPr sz="4400">
+                <a:solidFill>
+                  <a:schemeClr val="tx1"/>
+                </a:solidFill>
+                <a:latin typeface="Calibri" panose="020F0502020204030204" pitchFamily="34" charset="0"/>
+              </a:defRPr>
+            </a:lvl9pPr>
+          </a:lstStyle>
+          <a:p>
+            <a:pPr marL="12700">
+              <a:spcBef>
+                <a:spcPts val="100"/>
+              </a:spcBef>
+            </a:pPr>
+            <a:r>
+              <a:rPr lang="es-ES" dirty="0">
+                <a:solidFill>
+                  <a:schemeClr val="bg1"/>
+                </a:solidFill>
+                <a:latin typeface="+mj-lt"/>
+              </a:rPr>
+              <a:t>MDH - HASH</a:t>
+            </a:r>
+          </a:p>
+        </p:txBody>
+      </p:sp>
+    </p:spTree>
+    <p:extLst>
+      <p:ext uri="{BB962C8B-B14F-4D97-AF65-F5344CB8AC3E}">
+        <p14:creationId xmlns:p14="http://schemas.microsoft.com/office/powerpoint/2010/main" val="366475541"/>
+      </p:ext>
+    </p:extLst>
+  </p:cSld>
+  <p:clrMapOvr>
+    <a:masterClrMapping/>
+  </p:clrMapOvr>
+</p:sld>
+</file>
+
+<file path=ppt/slides/slide14.xml><?xml version="1.0" encoding="utf-8"?>
 <p:sld xmlns:a="http://schemas.openxmlformats.org/drawingml/2006/main" xmlns:r="http://schemas.openxmlformats.org/officeDocument/2006/relationships" xmlns:p="http://schemas.openxmlformats.org/presentationml/2006/main">
   <p:cSld>
     <p:spTree>
@@ -5467,7 +6556,7 @@
         <p:spPr>
           <a:xfrm>
             <a:off x="152400" y="1662964"/>
-            <a:ext cx="11510682" cy="4015843"/>
+            <a:ext cx="11510682" cy="5739392"/>
           </a:xfrm>
           <a:prstGeom prst="rect">
             <a:avLst/>
@@ -5481,7 +6570,7 @@
           <a:p>
             <a:pPr marL="469900" indent="-457200">
               <a:lnSpc>
-                <a:spcPct val="100000"/>
+                <a:spcPct val="150000"/>
               </a:lnSpc>
               <a:spcBef>
                 <a:spcPts val="95"/>
@@ -5509,7 +6598,7 @@
           <a:p>
             <a:pPr marL="469900" indent="-457200">
               <a:lnSpc>
-                <a:spcPct val="100000"/>
+                <a:spcPct val="150000"/>
               </a:lnSpc>
               <a:spcBef>
                 <a:spcPts val="95"/>
@@ -5537,7 +6626,7 @@
           <a:p>
             <a:pPr marL="469900" indent="-457200">
               <a:lnSpc>
-                <a:spcPct val="100000"/>
+                <a:spcPct val="150000"/>
               </a:lnSpc>
               <a:spcBef>
                 <a:spcPts val="95"/>
@@ -5565,7 +6654,7 @@
           <a:p>
             <a:pPr marL="469900" indent="-457200">
               <a:lnSpc>
-                <a:spcPct val="100000"/>
+                <a:spcPct val="150000"/>
               </a:lnSpc>
               <a:spcBef>
                 <a:spcPts val="95"/>
@@ -5647,7 +6736,7 @@
 </p:sld>
 </file>
 
-<file path=ppt/slides/slide13.xml><?xml version="1.0" encoding="utf-8"?>
+<file path=ppt/slides/slide15.xml><?xml version="1.0" encoding="utf-8"?>
 <p:sld xmlns:a="http://schemas.openxmlformats.org/drawingml/2006/main" xmlns:r="http://schemas.openxmlformats.org/officeDocument/2006/relationships" xmlns:p="http://schemas.openxmlformats.org/presentationml/2006/main">
   <p:cSld>
     <p:spTree>
@@ -5686,7 +6775,7 @@
         </p:blipFill>
         <p:spPr>
           <a:xfrm>
-            <a:off x="3235811" y="3316941"/>
+            <a:off x="102196" y="3429000"/>
             <a:ext cx="5720376" cy="3299012"/>
           </a:xfrm>
           <a:prstGeom prst="rect">
@@ -5767,15 +6856,11 @@
                 <a:latin typeface="+mn-lt"/>
                 <a:cs typeface="Arial"/>
               </a:rPr>
-              <a:t>Lo que hacen es poner trozos de la imagen oculta entre los pixeles de la imagen original, a simple no lo ves.</a:t>
-            </a:r>
-            <a:endParaRPr lang="es-ES" dirty="0">
-              <a:latin typeface="+mn-lt"/>
-              <a:cs typeface="Arial"/>
-            </a:endParaRPr>
-          </a:p>
-          <a:p>
-            <a:pPr marL="298450" indent="-285750">
+              <a:t>Lo que hacen es poner trozos de la imagen oculta entre la imagen original, a simple vista no lo ves.</a:t>
+            </a:r>
+          </a:p>
+          <a:p>
+            <a:pPr marL="12700">
               <a:lnSpc>
                 <a:spcPct val="100000"/>
               </a:lnSpc>
@@ -5785,8 +6870,6 @@
               <a:buClr>
                 <a:schemeClr val="accent1"/>
               </a:buClr>
-              <a:buFont typeface="Arial" panose="020B0604020202020204" pitchFamily="34" charset="0"/>
-              <a:buChar char="•"/>
             </a:pPr>
             <a:endParaRPr lang="es-ES" sz="1400" dirty="0">
               <a:latin typeface="+mj-lt"/>
@@ -6004,14 +7087,150 @@
               </a:spcBef>
             </a:pPr>
             <a:r>
-              <a:rPr lang="es-ES" dirty="0">
+              <a:rPr lang="es-ES" dirty="0" err="1">
                 <a:solidFill>
                   <a:schemeClr val="bg1"/>
                 </a:solidFill>
                 <a:latin typeface="+mj-lt"/>
               </a:rPr>
-              <a:t>Ejemplo</a:t>
-            </a:r>
+              <a:t>Least</a:t>
+            </a:r>
+            <a:r>
+              <a:rPr lang="es-ES" dirty="0">
+                <a:solidFill>
+                  <a:schemeClr val="bg1"/>
+                </a:solidFill>
+                <a:latin typeface="+mj-lt"/>
+              </a:rPr>
+              <a:t> </a:t>
+            </a:r>
+            <a:r>
+              <a:rPr lang="es-ES" dirty="0" err="1">
+                <a:solidFill>
+                  <a:schemeClr val="bg1"/>
+                </a:solidFill>
+                <a:latin typeface="+mj-lt"/>
+              </a:rPr>
+              <a:t>Significant</a:t>
+            </a:r>
+            <a:r>
+              <a:rPr lang="es-ES" dirty="0">
+                <a:solidFill>
+                  <a:schemeClr val="bg1"/>
+                </a:solidFill>
+                <a:latin typeface="+mj-lt"/>
+              </a:rPr>
+              <a:t> Bit - LSB</a:t>
+            </a:r>
+          </a:p>
+        </p:txBody>
+      </p:sp>
+      <p:pic>
+        <p:nvPicPr>
+          <p:cNvPr id="1026" name="Picture 2" descr="LSB-Steganography - Python program to steganography files into ...">
+            <a:extLst>
+              <a:ext uri="{FF2B5EF4-FFF2-40B4-BE49-F238E27FC236}">
+                <a16:creationId xmlns:a16="http://schemas.microsoft.com/office/drawing/2014/main" id="{37370B7D-BE3E-4151-935B-D167661C7E55}"/>
+              </a:ext>
+            </a:extLst>
+          </p:cNvPr>
+          <p:cNvPicPr>
+            <a:picLocks noChangeAspect="1" noChangeArrowheads="1"/>
+          </p:cNvPicPr>
+          <p:nvPr/>
+        </p:nvPicPr>
+        <p:blipFill>
+          <a:blip r:embed="rId3">
+            <a:extLst>
+              <a:ext uri="{28A0092B-C50C-407E-A947-70E740481C1C}">
+                <a14:useLocalDpi xmlns:a14="http://schemas.microsoft.com/office/drawing/2010/main" val="0"/>
+              </a:ext>
+            </a:extLst>
+          </a:blip>
+          <a:srcRect/>
+          <a:stretch>
+            <a:fillRect/>
+          </a:stretch>
+        </p:blipFill>
+        <p:spPr bwMode="auto">
+          <a:xfrm>
+            <a:off x="6369430" y="3294709"/>
+            <a:ext cx="5145741" cy="2778700"/>
+          </a:xfrm>
+          <a:prstGeom prst="rect">
+            <a:avLst/>
+          </a:prstGeom>
+          <a:noFill/>
+          <a:extLst>
+            <a:ext uri="{909E8E84-426E-40DD-AFC4-6F175D3DCCD1}">
+              <a14:hiddenFill xmlns:a14="http://schemas.microsoft.com/office/drawing/2010/main">
+                <a:solidFill>
+                  <a:srgbClr val="FFFFFF"/>
+                </a:solidFill>
+              </a14:hiddenFill>
+            </a:ext>
+          </a:extLst>
+        </p:spPr>
+      </p:pic>
+      <p:sp>
+        <p:nvSpPr>
+          <p:cNvPr id="3" name="CuadroTexto 2">
+            <a:extLst>
+              <a:ext uri="{FF2B5EF4-FFF2-40B4-BE49-F238E27FC236}">
+                <a16:creationId xmlns:a16="http://schemas.microsoft.com/office/drawing/2014/main" id="{68F8E1C3-6675-485C-9774-B29EEC19646A}"/>
+              </a:ext>
+            </a:extLst>
+          </p:cNvPr>
+          <p:cNvSpPr txBox="1"/>
+          <p:nvPr/>
+        </p:nvSpPr>
+        <p:spPr>
+          <a:xfrm>
+            <a:off x="6248400" y="6081681"/>
+            <a:ext cx="5841404" cy="646331"/>
+          </a:xfrm>
+          <a:prstGeom prst="rect">
+            <a:avLst/>
+          </a:prstGeom>
+          <a:noFill/>
+        </p:spPr>
+        <p:txBody>
+          <a:bodyPr wrap="square" rtlCol="0">
+            <a:spAutoFit/>
+          </a:bodyPr>
+          <a:lstStyle/>
+          <a:p>
+            <a:r>
+              <a:rPr lang="es-ES" dirty="0">
+                <a:solidFill>
+                  <a:schemeClr val="tx1">
+                    <a:lumMod val="50000"/>
+                    <a:lumOff val="50000"/>
+                  </a:schemeClr>
+                </a:solidFill>
+                <a:cs typeface="Arial"/>
+                <a:hlinkClick r:id="rId4">
+                  <a:extLst>
+                    <a:ext uri="{A12FA001-AC4F-418D-AE19-62706E023703}">
+                      <ahyp:hlinkClr xmlns:ahyp="http://schemas.microsoft.com/office/drawing/2018/hyperlinkcolor" val="tx"/>
+                    </a:ext>
+                  </a:extLst>
+                </a:hlinkClick>
+              </a:rPr>
+              <a:t>https://incoherency.co.uk/image-steganography/</a:t>
+            </a:r>
+            <a:endParaRPr lang="es-ES" dirty="0">
+              <a:solidFill>
+                <a:schemeClr val="tx1">
+                  <a:lumMod val="50000"/>
+                  <a:lumOff val="50000"/>
+                </a:schemeClr>
+              </a:solidFill>
+              <a:cs typeface="Arial"/>
+            </a:endParaRPr>
+          </a:p>
+          <a:p>
+            <a:endParaRPr lang="es-ES" dirty="0"/>
           </a:p>
         </p:txBody>
       </p:sp>
@@ -6019,6 +7238,469 @@
     <p:extLst>
       <p:ext uri="{BB962C8B-B14F-4D97-AF65-F5344CB8AC3E}">
         <p14:creationId xmlns:p14="http://schemas.microsoft.com/office/powerpoint/2010/main" val="484739615"/>
+      </p:ext>
+    </p:extLst>
+  </p:cSld>
+  <p:clrMapOvr>
+    <a:masterClrMapping/>
+  </p:clrMapOvr>
+</p:sld>
+</file>
+
+<file path=ppt/slides/slide16.xml><?xml version="1.0" encoding="utf-8"?>
+<p:sld xmlns:a="http://schemas.openxmlformats.org/drawingml/2006/main" xmlns:r="http://schemas.openxmlformats.org/officeDocument/2006/relationships" xmlns:p="http://schemas.openxmlformats.org/presentationml/2006/main">
+  <p:cSld>
+    <p:spTree>
+      <p:nvGrpSpPr>
+        <p:cNvPr id="1" name=""/>
+        <p:cNvGrpSpPr/>
+        <p:nvPr/>
+      </p:nvGrpSpPr>
+      <p:grpSpPr>
+        <a:xfrm>
+          <a:off x="0" y="0"/>
+          <a:ext cx="0" cy="0"/>
+          <a:chOff x="0" y="0"/>
+          <a:chExt cx="0" cy="0"/>
+        </a:xfrm>
+      </p:grpSpPr>
+      <p:sp>
+        <p:nvSpPr>
+          <p:cNvPr id="6" name="object 5">
+            <a:extLst>
+              <a:ext uri="{FF2B5EF4-FFF2-40B4-BE49-F238E27FC236}">
+                <a16:creationId xmlns:a16="http://schemas.microsoft.com/office/drawing/2014/main" id="{08F4F82C-C19D-4E37-94D6-96ECFD626B52}"/>
+              </a:ext>
+            </a:extLst>
+          </p:cNvPr>
+          <p:cNvSpPr txBox="1"/>
+          <p:nvPr/>
+        </p:nvSpPr>
+        <p:spPr>
+          <a:xfrm>
+            <a:off x="792479" y="1230794"/>
+            <a:ext cx="10607041" cy="2789866"/>
+          </a:xfrm>
+          <a:prstGeom prst="rect">
+            <a:avLst/>
+          </a:prstGeom>
+        </p:spPr>
+        <p:txBody>
+          <a:bodyPr vert="horz" wrap="square" lIns="0" tIns="12065" rIns="0" bIns="0" rtlCol="0">
+            <a:spAutoFit/>
+          </a:bodyPr>
+          <a:lstStyle/>
+          <a:p>
+            <a:pPr marL="469900" indent="-457200">
+              <a:spcBef>
+                <a:spcPts val="95"/>
+              </a:spcBef>
+              <a:buClr>
+                <a:schemeClr val="tx2"/>
+              </a:buClr>
+              <a:buFont typeface="Arial" panose="020B0604020202020204" pitchFamily="34" charset="0"/>
+              <a:buChar char="•"/>
+            </a:pPr>
+            <a:r>
+              <a:rPr lang="es-ES" sz="3200" dirty="0">
+                <a:solidFill>
+                  <a:schemeClr val="tx1">
+                    <a:lumMod val="50000"/>
+                    <a:lumOff val="50000"/>
+                  </a:schemeClr>
+                </a:solidFill>
+                <a:latin typeface="+mn-lt"/>
+                <a:cs typeface="Arial"/>
+              </a:rPr>
+              <a:t>Es un método de esteganografía poco usado y fácil de detectar.</a:t>
+            </a:r>
+          </a:p>
+          <a:p>
+            <a:pPr marL="469900" indent="-457200">
+              <a:spcBef>
+                <a:spcPts val="95"/>
+              </a:spcBef>
+              <a:buClr>
+                <a:schemeClr val="tx2"/>
+              </a:buClr>
+              <a:buFont typeface="Arial" panose="020B0604020202020204" pitchFamily="34" charset="0"/>
+              <a:buChar char="•"/>
+            </a:pPr>
+            <a:r>
+              <a:rPr lang="es-ES" sz="3200" dirty="0">
+                <a:solidFill>
+                  <a:schemeClr val="tx1">
+                    <a:lumMod val="50000"/>
+                    <a:lumOff val="50000"/>
+                  </a:schemeClr>
+                </a:solidFill>
+                <a:latin typeface="+mn-lt"/>
+                <a:cs typeface="Arial"/>
+              </a:rPr>
+              <a:t>Se basa es usar caracteres que no ocupan espacio en los editores normales.</a:t>
+            </a:r>
+          </a:p>
+          <a:p>
+            <a:pPr marL="469900" indent="-457200">
+              <a:spcBef>
+                <a:spcPts val="95"/>
+              </a:spcBef>
+              <a:buClr>
+                <a:schemeClr val="tx2"/>
+              </a:buClr>
+              <a:buFont typeface="Arial" panose="020B0604020202020204" pitchFamily="34" charset="0"/>
+              <a:buChar char="•"/>
+            </a:pPr>
+            <a:r>
+              <a:rPr lang="es-ES" sz="3200" dirty="0">
+                <a:solidFill>
+                  <a:schemeClr val="tx1">
+                    <a:lumMod val="50000"/>
+                    <a:lumOff val="50000"/>
+                  </a:schemeClr>
+                </a:solidFill>
+                <a:latin typeface="+mn-lt"/>
+                <a:cs typeface="Arial"/>
+                <a:hlinkClick r:id="rId2">
+                  <a:extLst>
+                    <a:ext uri="{A12FA001-AC4F-418D-AE19-62706E023703}">
+                      <ahyp:hlinkClr xmlns:ahyp="http://schemas.microsoft.com/office/drawing/2018/hyperlinkcolor" val="tx"/>
+                    </a:ext>
+                  </a:extLst>
+                </a:hlinkClick>
+              </a:rPr>
+              <a:t>https://offdev.net/demos/zwsp-steg-js</a:t>
+            </a:r>
+            <a:endParaRPr lang="es-ES" sz="3200" dirty="0">
+              <a:solidFill>
+                <a:schemeClr val="tx1">
+                  <a:lumMod val="50000"/>
+                  <a:lumOff val="50000"/>
+                </a:schemeClr>
+              </a:solidFill>
+              <a:latin typeface="+mn-lt"/>
+              <a:cs typeface="Arial"/>
+            </a:endParaRPr>
+          </a:p>
+          <a:p>
+            <a:pPr marL="298450" indent="-285750" algn="ctr">
+              <a:lnSpc>
+                <a:spcPct val="100000"/>
+              </a:lnSpc>
+              <a:spcBef>
+                <a:spcPts val="95"/>
+              </a:spcBef>
+              <a:buClr>
+                <a:schemeClr val="tx2"/>
+              </a:buClr>
+              <a:buFont typeface="Arial" panose="020B0604020202020204" pitchFamily="34" charset="0"/>
+              <a:buChar char="•"/>
+            </a:pPr>
+            <a:endParaRPr sz="1800" dirty="0">
+              <a:latin typeface="Arial"/>
+              <a:cs typeface="Arial"/>
+            </a:endParaRPr>
+          </a:p>
+        </p:txBody>
+      </p:sp>
+      <p:sp>
+        <p:nvSpPr>
+          <p:cNvPr id="11" name="object 3">
+            <a:extLst>
+              <a:ext uri="{FF2B5EF4-FFF2-40B4-BE49-F238E27FC236}">
+                <a16:creationId xmlns:a16="http://schemas.microsoft.com/office/drawing/2014/main" id="{828BE2FD-EB48-4942-A2CD-5DD92E86A95D}"/>
+              </a:ext>
+            </a:extLst>
+          </p:cNvPr>
+          <p:cNvSpPr txBox="1">
+            <a:spLocks/>
+          </p:cNvSpPr>
+          <p:nvPr/>
+        </p:nvSpPr>
+        <p:spPr bwMode="auto">
+          <a:xfrm>
+            <a:off x="1" y="316785"/>
+            <a:ext cx="12191999" cy="689932"/>
+          </a:xfrm>
+          <a:prstGeom prst="rect">
+            <a:avLst/>
+          </a:prstGeom>
+          <a:noFill/>
+          <a:ln>
+            <a:noFill/>
+          </a:ln>
+          <a:extLst>
+            <a:ext uri="{909E8E84-426E-40DD-AFC4-6F175D3DCCD1}">
+              <a14:hiddenFill xmlns:a14="http://schemas.microsoft.com/office/drawing/2010/main">
+                <a:solidFill>
+                  <a:srgbClr val="FFFFFF"/>
+                </a:solidFill>
+              </a14:hiddenFill>
+            </a:ext>
+            <a:ext uri="{91240B29-F687-4F45-9708-019B960494DF}">
+              <a14:hiddenLine xmlns:a14="http://schemas.microsoft.com/office/drawing/2010/main" w="9525">
+                <a:solidFill>
+                  <a:srgbClr val="000000"/>
+                </a:solidFill>
+                <a:miter lim="800000"/>
+                <a:headEnd/>
+                <a:tailEnd/>
+              </a14:hiddenLine>
+            </a:ext>
+          </a:extLst>
+        </p:spPr>
+        <p:txBody>
+          <a:bodyPr vert="horz" wrap="square" lIns="0" tIns="12700" rIns="0" bIns="0" numCol="1" rtlCol="0" anchor="ctr" anchorCtr="0" compatLnSpc="1">
+            <a:prstTxWarp prst="textNoShape">
+              <a:avLst/>
+            </a:prstTxWarp>
+            <a:spAutoFit/>
+          </a:bodyPr>
+          <a:lstStyle>
+            <a:lvl1pPr algn="ctr" rtl="0" eaLnBrk="0" fontAlgn="base" hangingPunct="0">
+              <a:spcBef>
+                <a:spcPct val="0"/>
+              </a:spcBef>
+              <a:spcAft>
+                <a:spcPct val="0"/>
+              </a:spcAft>
+              <a:defRPr sz="4400" kern="1200">
+                <a:solidFill>
+                  <a:schemeClr val="tx1"/>
+                </a:solidFill>
+                <a:latin typeface="Lato" charset="0"/>
+                <a:ea typeface="Lato" charset="0"/>
+                <a:cs typeface="Lato" charset="0"/>
+              </a:defRPr>
+            </a:lvl1pPr>
+            <a:lvl2pPr algn="ctr" rtl="0" eaLnBrk="0" fontAlgn="base" hangingPunct="0">
+              <a:spcBef>
+                <a:spcPct val="0"/>
+              </a:spcBef>
+              <a:spcAft>
+                <a:spcPct val="0"/>
+              </a:spcAft>
+              <a:defRPr sz="4400">
+                <a:solidFill>
+                  <a:schemeClr val="tx1"/>
+                </a:solidFill>
+                <a:latin typeface="Calibri" panose="020F0502020204030204" pitchFamily="34" charset="0"/>
+              </a:defRPr>
+            </a:lvl2pPr>
+            <a:lvl3pPr algn="ctr" rtl="0" eaLnBrk="0" fontAlgn="base" hangingPunct="0">
+              <a:spcBef>
+                <a:spcPct val="0"/>
+              </a:spcBef>
+              <a:spcAft>
+                <a:spcPct val="0"/>
+              </a:spcAft>
+              <a:defRPr sz="4400">
+                <a:solidFill>
+                  <a:schemeClr val="tx1"/>
+                </a:solidFill>
+                <a:latin typeface="Calibri" panose="020F0502020204030204" pitchFamily="34" charset="0"/>
+              </a:defRPr>
+            </a:lvl3pPr>
+            <a:lvl4pPr algn="ctr" rtl="0" eaLnBrk="0" fontAlgn="base" hangingPunct="0">
+              <a:spcBef>
+                <a:spcPct val="0"/>
+              </a:spcBef>
+              <a:spcAft>
+                <a:spcPct val="0"/>
+              </a:spcAft>
+              <a:defRPr sz="4400">
+                <a:solidFill>
+                  <a:schemeClr val="tx1"/>
+                </a:solidFill>
+                <a:latin typeface="Calibri" panose="020F0502020204030204" pitchFamily="34" charset="0"/>
+              </a:defRPr>
+            </a:lvl4pPr>
+            <a:lvl5pPr algn="ctr" rtl="0" eaLnBrk="0" fontAlgn="base" hangingPunct="0">
+              <a:spcBef>
+                <a:spcPct val="0"/>
+              </a:spcBef>
+              <a:spcAft>
+                <a:spcPct val="0"/>
+              </a:spcAft>
+              <a:defRPr sz="4400">
+                <a:solidFill>
+                  <a:schemeClr val="tx1"/>
+                </a:solidFill>
+                <a:latin typeface="Calibri" panose="020F0502020204030204" pitchFamily="34" charset="0"/>
+              </a:defRPr>
+            </a:lvl5pPr>
+            <a:lvl6pPr marL="457200" algn="ctr" rtl="0" fontAlgn="base">
+              <a:spcBef>
+                <a:spcPct val="0"/>
+              </a:spcBef>
+              <a:spcAft>
+                <a:spcPct val="0"/>
+              </a:spcAft>
+              <a:defRPr sz="4400">
+                <a:solidFill>
+                  <a:schemeClr val="tx1"/>
+                </a:solidFill>
+                <a:latin typeface="Calibri" panose="020F0502020204030204" pitchFamily="34" charset="0"/>
+              </a:defRPr>
+            </a:lvl6pPr>
+            <a:lvl7pPr marL="914400" algn="ctr" rtl="0" fontAlgn="base">
+              <a:spcBef>
+                <a:spcPct val="0"/>
+              </a:spcBef>
+              <a:spcAft>
+                <a:spcPct val="0"/>
+              </a:spcAft>
+              <a:defRPr sz="4400">
+                <a:solidFill>
+                  <a:schemeClr val="tx1"/>
+                </a:solidFill>
+                <a:latin typeface="Calibri" panose="020F0502020204030204" pitchFamily="34" charset="0"/>
+              </a:defRPr>
+            </a:lvl7pPr>
+            <a:lvl8pPr marL="1371600" algn="ctr" rtl="0" fontAlgn="base">
+              <a:spcBef>
+                <a:spcPct val="0"/>
+              </a:spcBef>
+              <a:spcAft>
+                <a:spcPct val="0"/>
+              </a:spcAft>
+              <a:defRPr sz="4400">
+                <a:solidFill>
+                  <a:schemeClr val="tx1"/>
+                </a:solidFill>
+                <a:latin typeface="Calibri" panose="020F0502020204030204" pitchFamily="34" charset="0"/>
+              </a:defRPr>
+            </a:lvl8pPr>
+            <a:lvl9pPr marL="1828800" algn="ctr" rtl="0" fontAlgn="base">
+              <a:spcBef>
+                <a:spcPct val="0"/>
+              </a:spcBef>
+              <a:spcAft>
+                <a:spcPct val="0"/>
+              </a:spcAft>
+              <a:defRPr sz="4400">
+                <a:solidFill>
+                  <a:schemeClr val="tx1"/>
+                </a:solidFill>
+                <a:latin typeface="Calibri" panose="020F0502020204030204" pitchFamily="34" charset="0"/>
+              </a:defRPr>
+            </a:lvl9pPr>
+          </a:lstStyle>
+          <a:p>
+            <a:pPr marL="12700">
+              <a:spcBef>
+                <a:spcPts val="100"/>
+              </a:spcBef>
+            </a:pPr>
+            <a:r>
+              <a:rPr lang="es-ES" dirty="0">
+                <a:solidFill>
+                  <a:schemeClr val="bg1"/>
+                </a:solidFill>
+                <a:latin typeface="+mj-lt"/>
+              </a:rPr>
+              <a:t>Zero-</a:t>
+            </a:r>
+            <a:r>
+              <a:rPr lang="es-ES" dirty="0" err="1">
+                <a:solidFill>
+                  <a:schemeClr val="bg1"/>
+                </a:solidFill>
+                <a:latin typeface="+mj-lt"/>
+              </a:rPr>
+              <a:t>Width</a:t>
+            </a:r>
+            <a:r>
+              <a:rPr lang="es-ES" dirty="0">
+                <a:solidFill>
+                  <a:schemeClr val="bg1"/>
+                </a:solidFill>
+                <a:latin typeface="+mj-lt"/>
+              </a:rPr>
+              <a:t> </a:t>
+            </a:r>
+            <a:r>
+              <a:rPr lang="es-ES" dirty="0" err="1">
+                <a:solidFill>
+                  <a:schemeClr val="bg1"/>
+                </a:solidFill>
+                <a:latin typeface="+mj-lt"/>
+              </a:rPr>
+              <a:t>Space</a:t>
+            </a:r>
+            <a:endParaRPr lang="es-ES" dirty="0">
+              <a:solidFill>
+                <a:schemeClr val="bg1"/>
+              </a:solidFill>
+              <a:latin typeface="+mj-lt"/>
+            </a:endParaRPr>
+          </a:p>
+        </p:txBody>
+      </p:sp>
+      <p:pic>
+        <p:nvPicPr>
+          <p:cNvPr id="4" name="Imagen 3">
+            <a:extLst>
+              <a:ext uri="{FF2B5EF4-FFF2-40B4-BE49-F238E27FC236}">
+                <a16:creationId xmlns:a16="http://schemas.microsoft.com/office/drawing/2014/main" id="{82B020DF-AA5A-447B-9E89-B09CC69111A0}"/>
+              </a:ext>
+            </a:extLst>
+          </p:cNvPr>
+          <p:cNvPicPr>
+            <a:picLocks noChangeAspect="1"/>
+          </p:cNvPicPr>
+          <p:nvPr/>
+        </p:nvPicPr>
+        <p:blipFill>
+          <a:blip r:embed="rId3"/>
+          <a:stretch>
+            <a:fillRect/>
+          </a:stretch>
+        </p:blipFill>
+        <p:spPr>
+          <a:xfrm>
+            <a:off x="655824" y="4722331"/>
+            <a:ext cx="7115175" cy="904875"/>
+          </a:xfrm>
+          <a:prstGeom prst="rect">
+            <a:avLst/>
+          </a:prstGeom>
+        </p:spPr>
+      </p:pic>
+      <p:pic>
+        <p:nvPicPr>
+          <p:cNvPr id="5" name="Imagen 4">
+            <a:extLst>
+              <a:ext uri="{FF2B5EF4-FFF2-40B4-BE49-F238E27FC236}">
+                <a16:creationId xmlns:a16="http://schemas.microsoft.com/office/drawing/2014/main" id="{08E5E9AC-FA65-4082-AB3A-8B8DB111F0D6}"/>
+              </a:ext>
+            </a:extLst>
+          </p:cNvPr>
+          <p:cNvPicPr>
+            <a:picLocks noChangeAspect="1"/>
+          </p:cNvPicPr>
+          <p:nvPr/>
+        </p:nvPicPr>
+        <p:blipFill>
+          <a:blip r:embed="rId4"/>
+          <a:stretch>
+            <a:fillRect/>
+          </a:stretch>
+        </p:blipFill>
+        <p:spPr>
+          <a:xfrm>
+            <a:off x="8825472" y="3855664"/>
+            <a:ext cx="2447925" cy="2409825"/>
+          </a:xfrm>
+          <a:prstGeom prst="rect">
+            <a:avLst/>
+          </a:prstGeom>
+        </p:spPr>
+      </p:pic>
+    </p:spTree>
+    <p:extLst>
+      <p:ext uri="{BB962C8B-B14F-4D97-AF65-F5344CB8AC3E}">
+        <p14:creationId xmlns:p14="http://schemas.microsoft.com/office/powerpoint/2010/main" val="3702384886"/>
       </p:ext>
     </p:extLst>
   </p:cSld>

--- a/PresentaciónTaller.pptx
+++ b/PresentaciónTaller.pptx
@@ -284,7 +284,7 @@
               <a:pPr>
                 <a:defRPr/>
               </a:pPr>
-              <a:t>28/04/2020</a:t>
+              <a:t>27/06/2021</a:t>
             </a:fld>
             <a:endParaRPr lang="es-ES"/>
           </a:p>
@@ -1077,7 +1077,7 @@
               <a:pPr>
                 <a:defRPr/>
               </a:pPr>
-              <a:t>28/04/2020</a:t>
+              <a:t>27/06/2021</a:t>
             </a:fld>
             <a:endParaRPr lang="es-ES"/>
           </a:p>
@@ -1509,7 +1509,7 @@
               <a:pPr>
                 <a:defRPr/>
               </a:pPr>
-              <a:t>28/04/2020</a:t>
+              <a:t>27/06/2021</a:t>
             </a:fld>
             <a:endParaRPr lang="es-ES"/>
           </a:p>
@@ -1821,7 +1821,7 @@
               <a:pPr>
                 <a:defRPr/>
               </a:pPr>
-              <a:t>28/04/2020</a:t>
+              <a:t>27/06/2021</a:t>
             </a:fld>
             <a:endParaRPr lang="es-ES"/>
           </a:p>
@@ -2157,7 +2157,7 @@
               <a:pPr>
                 <a:defRPr/>
               </a:pPr>
-              <a:t>28/04/2020</a:t>
+              <a:t>27/06/2021</a:t>
             </a:fld>
             <a:endParaRPr lang="es-ES"/>
           </a:p>
@@ -2447,7 +2447,7 @@
               <a:pPr>
                 <a:defRPr/>
               </a:pPr>
-              <a:t>28/04/2020</a:t>
+              <a:t>27/06/2021</a:t>
             </a:fld>
             <a:endParaRPr lang="es-ES"/>
           </a:p>
@@ -2575,7 +2575,7 @@
               <a:pPr>
                 <a:defRPr/>
               </a:pPr>
-              <a:t>28/04/2020</a:t>
+              <a:t>27/06/2021</a:t>
             </a:fld>
             <a:endParaRPr lang="es-ES"/>
           </a:p>
@@ -2911,7 +2911,7 @@
               <a:pPr>
                 <a:defRPr/>
               </a:pPr>
-              <a:t>28/04/2020</a:t>
+              <a:t>27/06/2021</a:t>
             </a:fld>
             <a:endParaRPr lang="es-ES"/>
           </a:p>
@@ -3207,7 +3207,7 @@
               <a:pPr>
                 <a:defRPr/>
               </a:pPr>
-              <a:t>28/04/2020</a:t>
+              <a:t>27/06/2021</a:t>
             </a:fld>
             <a:endParaRPr lang="es-ES"/>
           </a:p>
@@ -3507,7 +3507,7 @@
               <a:pPr>
                 <a:defRPr/>
               </a:pPr>
-              <a:t>28/04/2020</a:t>
+              <a:t>27/06/2021</a:t>
             </a:fld>
             <a:endParaRPr lang="es-ES"/>
           </a:p>
@@ -8367,7 +8367,7 @@
                 <a:latin typeface="+mn-lt"/>
                 <a:cs typeface="Arial"/>
               </a:rPr>
-              <a:t>Alumno de U-tad, 3º de ingeniería.</a:t>
+              <a:t>Alumno de U-tad, 4º de ingeniería.</a:t>
             </a:r>
           </a:p>
           <a:p>
